--- a/Examples/Data/Charts/Funnel.pptx
+++ b/Examples/Data/Charts/Funnel.pptx
@@ -1,6 +1,6 @@
 
 <file path=ppt/presentation.xml><?xml version="1.0" encoding="utf-8"?>
-<!--Generated by Aspose.Slides for .NET 19.6-->
+<!--Generated by Aspose.Slides for .NET 21.12-->
 <p:presentation xmlns:r="http://schemas.openxmlformats.org/officeDocument/2006/relationships" xmlns:a="http://schemas.openxmlformats.org/drawingml/2006/main" xmlns:p="http://schemas.openxmlformats.org/presentationml/2006/main" saveSubsetFonts="1">
   <p:sldMasterIdLst>
     <p:sldMasterId id="2147483648" r:id="rId1"/>
@@ -112,7 +112,7 @@
 </file>
 
 <file path=ppt/charts/chart1.xml><?xml version="1.0" encoding="utf-8"?>
-<c:chartSpace xmlns:a="http://schemas.openxmlformats.org/drawingml/2006/main" xmlns:r="http://schemas.openxmlformats.org/officeDocument/2006/relationships" xmlns:c="http://schemas.openxmlformats.org/drawingml/2006/chart">
+<c:chartSpace xmlns:a="http://schemas.openxmlformats.org/drawingml/2006/main" xmlns:r="http://schemas.openxmlformats.org/officeDocument/2006/relationships" xmlns:m="http://schemas.openxmlformats.org/officeDocument/2006/math" xmlns:w="http://schemas.openxmlformats.org/wordprocessingml/2006/main" xmlns:wp="http://schemas.openxmlformats.org/drawingml/2006/wordprocessingDrawing" xmlns:a14="http://schemas.microsoft.com/office/drawing/2010/main" xmlns:c="http://schemas.openxmlformats.org/drawingml/2006/chart">
   <c:date1904 val="0"/>
   <c:lang val="ru-RU"/>
   <c:roundedCorners val="0"/>
@@ -381,7 +381,7 @@
 </file>
 
 <file path=ppt/charts/chartEx1.xml><?xml version="1.0" encoding="utf-8"?>
-<cx:chartSpace xmlns:r="http://schemas.openxmlformats.org/officeDocument/2006/relationships" xmlns:a="http://schemas.openxmlformats.org/drawingml/2006/main" xmlns:xs="http://www.w3.org/2001/XMLSchema" xmlns:cx="http://schemas.microsoft.com/office/drawing/2014/chartex">
+<cx:chartSpace xmlns:r="http://schemas.openxmlformats.org/officeDocument/2006/relationships" xmlns:a="http://schemas.openxmlformats.org/drawingml/2006/main" xmlns:m="http://schemas.openxmlformats.org/officeDocument/2006/math" xmlns:w="http://schemas.openxmlformats.org/wordprocessingml/2006/main" xmlns:wp="http://schemas.openxmlformats.org/drawingml/2006/wordprocessingDrawing" xmlns:a14="http://schemas.microsoft.com/office/drawing/2010/main" xmlns:xs="http://www.w3.org/2001/XMLSchema" xmlns:cx="http://schemas.microsoft.com/office/drawing/2014/chartex">
   <cx:chartData>
     <cx:externalData r:id="rId1" autoUpdate="0"/>
     <cx:data id="0">
@@ -414,7 +414,7 @@
     <cx:plotArea>
       <cx:plotAreaRegion>
         <cx:plotSurface/>
-        <cx:series layoutId="funnel" uniqueId="{c8a9bfe6-d4a7-4866-93f7-d26e2bb846be}" formatIdx="0">
+        <cx:series layoutId="funnel" uniqueId="{191619f1-6f92-4f11-8db0-8444ebcbba70}" formatIdx="0">
           <cx:dataId val="0"/>
         </cx:series>
       </cx:plotAreaRegion>
@@ -442,7 +442,7 @@
 </file>
 
 <file path=ppt/charts/colors1.xml><?xml version="1.0" encoding="utf-8"?>
-<cs:colorStyle xmlns:cs="http://schemas.microsoft.com/office/drawing/2012/chartStyle" xmlns:a="http://schemas.openxmlformats.org/drawingml/2006/main" meth="cycle" id="10">
+<cs:colorStyle xmlns:a="http://schemas.openxmlformats.org/drawingml/2006/main" xmlns:cs="http://schemas.microsoft.com/office/drawing/2012/chartStyle" meth="cycle" id="10">
   <a:schemeClr val="accent1"/>
   <a:schemeClr val="accent2"/>
   <a:schemeClr val="accent3"/>
@@ -482,7 +482,7 @@
 </file>
 
 <file path=ppt/charts/style1.xml><?xml version="1.0" encoding="utf-8"?>
-<cs:chartStyle xmlns:cs="http://schemas.microsoft.com/office/drawing/2012/chartStyle" xmlns:a="http://schemas.openxmlformats.org/drawingml/2006/main" id="419">
+<cs:chartStyle xmlns:a="http://schemas.openxmlformats.org/drawingml/2006/main" xmlns:r="http://schemas.openxmlformats.org/officeDocument/2006/relationships" xmlns:cs="http://schemas.microsoft.com/office/drawing/2012/chartStyle" id="419">
   <cs:axisTitle>
     <cs:lnRef idx="0"/>
     <cs:fillRef idx="0"/>
@@ -990,11 +990,11 @@
 </file>
 
 <file path=ppt/slideLayouts/slideLayout1.xml><?xml version="1.0" encoding="utf-8"?>
-<p:sldLayout xmlns:a="http://schemas.openxmlformats.org/drawingml/2006/main" xmlns:r="http://schemas.openxmlformats.org/officeDocument/2006/relationships" xmlns:p14="http://schemas.microsoft.com/office/powerpoint/2010/main" xmlns:a14="http://schemas.microsoft.com/office/drawing/2010/main" xmlns:p15="http://schemas.microsoft.com/office/powerpoint/2012/main" xmlns:p159="http://schemas.microsoft.com/office/powerpoint/2015/09/main" xmlns:p="http://schemas.openxmlformats.org/presentationml/2006/main" type="title" preserve="1">
+<p:sldLayout xmlns:a="http://schemas.openxmlformats.org/drawingml/2006/main" xmlns:r="http://schemas.openxmlformats.org/officeDocument/2006/relationships" xmlns:m="http://schemas.openxmlformats.org/officeDocument/2006/math" xmlns:w="http://schemas.openxmlformats.org/wordprocessingml/2006/main" xmlns:wp="http://schemas.openxmlformats.org/drawingml/2006/wordprocessingDrawing" xmlns:a14="http://schemas.microsoft.com/office/drawing/2010/main" xmlns:mc="http://schemas.openxmlformats.org/markup-compatibility/2006" xmlns:p14="http://schemas.microsoft.com/office/powerpoint/2010/main" xmlns:p15="http://schemas.microsoft.com/office/powerpoint/2012/main" xmlns:p159="http://schemas.microsoft.com/office/powerpoint/2015/09/main" xmlns:p="http://schemas.openxmlformats.org/presentationml/2006/main" type="title" preserve="1">
   <p:cSld name="Title Slide">
     <p:spTree>
       <p:nvGrpSpPr>
-        <p:cNvPr id="1" name=""/>
+        <p:cNvPr id="1" name="" title=""/>
         <p:cNvGrpSpPr/>
         <p:nvPr/>
       </p:nvGrpSpPr>
@@ -1006,7 +1006,7 @@
       </p:grpSpPr>
       <p:sp>
         <p:nvSpPr>
-          <p:cNvPr id="2" name="Title 1"/>
+          <p:cNvPr id="2" name="Title 1" title=""/>
           <p:cNvSpPr>
             <a:spLocks noGrp="1"/>
           </p:cNvSpPr>
@@ -1029,7 +1029,7 @@
       </p:sp>
       <p:sp>
         <p:nvSpPr>
-          <p:cNvPr id="3" name="Subtitle 2"/>
+          <p:cNvPr id="3" name="Subtitle 2" title=""/>
           <p:cNvSpPr>
             <a:spLocks noGrp="1"/>
           </p:cNvSpPr>
@@ -1143,7 +1143,7 @@
       </p:sp>
       <p:sp>
         <p:nvSpPr>
-          <p:cNvPr id="4" name="Date Placeholder 3"/>
+          <p:cNvPr id="4" name="Date Placeholder 3" title=""/>
           <p:cNvSpPr>
             <a:spLocks noGrp="1"/>
           </p:cNvSpPr>
@@ -1156,7 +1156,7 @@
           <a:bodyPr/>
           <a:lstStyle/>
           <a:p>
-            <a:fld id="{EA5C69D9-8A8B-407A-8ABB-3998763B2DA8}" type="datetimeFigureOut">
+            <a:fld id="{4C03F686-9A04-4B61-AEDE-1989693C73CB}" type="datetimeFigureOut">
               <a:rPr lang="en-US" smtClean="0"/>
               <a:t>11/7/2009</a:t>
             </a:fld>
@@ -1166,7 +1166,7 @@
       </p:sp>
       <p:sp>
         <p:nvSpPr>
-          <p:cNvPr id="5" name="Footer Placeholder 4"/>
+          <p:cNvPr id="5" name="Footer Placeholder 4" title=""/>
           <p:cNvSpPr>
             <a:spLocks noGrp="1"/>
           </p:cNvSpPr>
@@ -1185,7 +1185,7 @@
       </p:sp>
       <p:sp>
         <p:nvSpPr>
-          <p:cNvPr id="6" name="Slide Number Placeholder 5"/>
+          <p:cNvPr id="6" name="Slide Number Placeholder 5" title=""/>
           <p:cNvSpPr>
             <a:spLocks noGrp="1"/>
           </p:cNvSpPr>
@@ -1217,11 +1217,11 @@
 </file>
 
 <file path=ppt/slideLayouts/slideLayout10.xml><?xml version="1.0" encoding="utf-8"?>
-<p:sldLayout xmlns:a="http://schemas.openxmlformats.org/drawingml/2006/main" xmlns:r="http://schemas.openxmlformats.org/officeDocument/2006/relationships" xmlns:p14="http://schemas.microsoft.com/office/powerpoint/2010/main" xmlns:a14="http://schemas.microsoft.com/office/drawing/2010/main" xmlns:p15="http://schemas.microsoft.com/office/powerpoint/2012/main" xmlns:p159="http://schemas.microsoft.com/office/powerpoint/2015/09/main" xmlns:p="http://schemas.openxmlformats.org/presentationml/2006/main" type="vertTx" preserve="1">
+<p:sldLayout xmlns:a="http://schemas.openxmlformats.org/drawingml/2006/main" xmlns:r="http://schemas.openxmlformats.org/officeDocument/2006/relationships" xmlns:m="http://schemas.openxmlformats.org/officeDocument/2006/math" xmlns:w="http://schemas.openxmlformats.org/wordprocessingml/2006/main" xmlns:wp="http://schemas.openxmlformats.org/drawingml/2006/wordprocessingDrawing" xmlns:a14="http://schemas.microsoft.com/office/drawing/2010/main" xmlns:mc="http://schemas.openxmlformats.org/markup-compatibility/2006" xmlns:p14="http://schemas.microsoft.com/office/powerpoint/2010/main" xmlns:p15="http://schemas.microsoft.com/office/powerpoint/2012/main" xmlns:p159="http://schemas.microsoft.com/office/powerpoint/2015/09/main" xmlns:p="http://schemas.openxmlformats.org/presentationml/2006/main" type="vertTx" preserve="1">
   <p:cSld name="Title and Vertical Text">
     <p:spTree>
       <p:nvGrpSpPr>
-        <p:cNvPr id="1" name=""/>
+        <p:cNvPr id="1" name="" title=""/>
         <p:cNvGrpSpPr/>
         <p:nvPr/>
       </p:nvGrpSpPr>
@@ -1233,7 +1233,7 @@
       </p:grpSpPr>
       <p:sp>
         <p:nvSpPr>
-          <p:cNvPr id="2" name="Title 1"/>
+          <p:cNvPr id="2" name="Title 1" title=""/>
           <p:cNvSpPr>
             <a:spLocks noGrp="1"/>
           </p:cNvSpPr>
@@ -1256,7 +1256,7 @@
       </p:sp>
       <p:sp>
         <p:nvSpPr>
-          <p:cNvPr id="3" name="Vertical Text Placeholder 2"/>
+          <p:cNvPr id="3" name="Vertical Text Placeholder 2" title=""/>
           <p:cNvSpPr>
             <a:spLocks noGrp="1"/>
           </p:cNvSpPr>
@@ -1307,7 +1307,7 @@
       </p:sp>
       <p:sp>
         <p:nvSpPr>
-          <p:cNvPr id="4" name="Date Placeholder 3"/>
+          <p:cNvPr id="4" name="Date Placeholder 3" title=""/>
           <p:cNvSpPr>
             <a:spLocks noGrp="1"/>
           </p:cNvSpPr>
@@ -1320,7 +1320,7 @@
           <a:bodyPr/>
           <a:lstStyle/>
           <a:p>
-            <a:fld id="{62A4C848-B472-44EE-B8FD-B82D073F5152}" type="datetimeFigureOut">
+            <a:fld id="{17A6607E-8B2D-4CCE-AEE7-DE66B30D7A5F}" type="datetimeFigureOut">
               <a:rPr lang="en-US" smtClean="0"/>
               <a:t>11/7/2009</a:t>
             </a:fld>
@@ -1330,7 +1330,7 @@
       </p:sp>
       <p:sp>
         <p:nvSpPr>
-          <p:cNvPr id="5" name="Footer Placeholder 4"/>
+          <p:cNvPr id="5" name="Footer Placeholder 4" title=""/>
           <p:cNvSpPr>
             <a:spLocks noGrp="1"/>
           </p:cNvSpPr>
@@ -1349,7 +1349,7 @@
       </p:sp>
       <p:sp>
         <p:nvSpPr>
-          <p:cNvPr id="6" name="Slide Number Placeholder 5"/>
+          <p:cNvPr id="6" name="Slide Number Placeholder 5" title=""/>
           <p:cNvSpPr>
             <a:spLocks noGrp="1"/>
           </p:cNvSpPr>
@@ -1381,11 +1381,11 @@
 </file>
 
 <file path=ppt/slideLayouts/slideLayout11.xml><?xml version="1.0" encoding="utf-8"?>
-<p:sldLayout xmlns:a="http://schemas.openxmlformats.org/drawingml/2006/main" xmlns:r="http://schemas.openxmlformats.org/officeDocument/2006/relationships" xmlns:p14="http://schemas.microsoft.com/office/powerpoint/2010/main" xmlns:a14="http://schemas.microsoft.com/office/drawing/2010/main" xmlns:p15="http://schemas.microsoft.com/office/powerpoint/2012/main" xmlns:p159="http://schemas.microsoft.com/office/powerpoint/2015/09/main" xmlns:p="http://schemas.openxmlformats.org/presentationml/2006/main" type="vertTitleAndTx" preserve="1">
+<p:sldLayout xmlns:a="http://schemas.openxmlformats.org/drawingml/2006/main" xmlns:r="http://schemas.openxmlformats.org/officeDocument/2006/relationships" xmlns:m="http://schemas.openxmlformats.org/officeDocument/2006/math" xmlns:w="http://schemas.openxmlformats.org/wordprocessingml/2006/main" xmlns:wp="http://schemas.openxmlformats.org/drawingml/2006/wordprocessingDrawing" xmlns:a14="http://schemas.microsoft.com/office/drawing/2010/main" xmlns:mc="http://schemas.openxmlformats.org/markup-compatibility/2006" xmlns:p14="http://schemas.microsoft.com/office/powerpoint/2010/main" xmlns:p15="http://schemas.microsoft.com/office/powerpoint/2012/main" xmlns:p159="http://schemas.microsoft.com/office/powerpoint/2015/09/main" xmlns:p="http://schemas.openxmlformats.org/presentationml/2006/main" type="vertTitleAndTx" preserve="1">
   <p:cSld name="Vertical Title and Text">
     <p:spTree>
       <p:nvGrpSpPr>
-        <p:cNvPr id="1" name=""/>
+        <p:cNvPr id="1" name="" title=""/>
         <p:cNvGrpSpPr/>
         <p:nvPr/>
       </p:nvGrpSpPr>
@@ -1397,7 +1397,7 @@
       </p:grpSpPr>
       <p:sp>
         <p:nvSpPr>
-          <p:cNvPr id="2" name="Vertical Title 1"/>
+          <p:cNvPr id="2" name="Vertical Title 1" title=""/>
           <p:cNvSpPr>
             <a:spLocks noGrp="1"/>
           </p:cNvSpPr>
@@ -1420,7 +1420,7 @@
       </p:sp>
       <p:sp>
         <p:nvSpPr>
-          <p:cNvPr id="3" name="Vertical Text Placeholder 2"/>
+          <p:cNvPr id="3" name="Vertical Text Placeholder 2" title=""/>
           <p:cNvSpPr>
             <a:spLocks noGrp="1"/>
           </p:cNvSpPr>
@@ -1471,7 +1471,7 @@
       </p:sp>
       <p:sp>
         <p:nvSpPr>
-          <p:cNvPr id="4" name="Date Placeholder 3"/>
+          <p:cNvPr id="4" name="Date Placeholder 3" title=""/>
           <p:cNvSpPr>
             <a:spLocks noGrp="1"/>
           </p:cNvSpPr>
@@ -1484,7 +1484,7 @@
           <a:bodyPr/>
           <a:lstStyle/>
           <a:p>
-            <a:fld id="{CD98C795-6026-4658-8F09-BE59AB82D5D6}" type="datetimeFigureOut">
+            <a:fld id="{6E3ABBD9-DD52-40C2-ACA9-70D3E66545E4}" type="datetimeFigureOut">
               <a:rPr lang="en-US" smtClean="0"/>
               <a:t>11/7/2009</a:t>
             </a:fld>
@@ -1494,7 +1494,7 @@
       </p:sp>
       <p:sp>
         <p:nvSpPr>
-          <p:cNvPr id="5" name="Footer Placeholder 4"/>
+          <p:cNvPr id="5" name="Footer Placeholder 4" title=""/>
           <p:cNvSpPr>
             <a:spLocks noGrp="1"/>
           </p:cNvSpPr>
@@ -1513,7 +1513,7 @@
       </p:sp>
       <p:sp>
         <p:nvSpPr>
-          <p:cNvPr id="6" name="Slide Number Placeholder 5"/>
+          <p:cNvPr id="6" name="Slide Number Placeholder 5" title=""/>
           <p:cNvSpPr>
             <a:spLocks noGrp="1"/>
           </p:cNvSpPr>
@@ -1545,11 +1545,11 @@
 </file>
 
 <file path=ppt/slideLayouts/slideLayout2.xml><?xml version="1.0" encoding="utf-8"?>
-<p:sldLayout xmlns:a="http://schemas.openxmlformats.org/drawingml/2006/main" xmlns:r="http://schemas.openxmlformats.org/officeDocument/2006/relationships" xmlns:p14="http://schemas.microsoft.com/office/powerpoint/2010/main" xmlns:a14="http://schemas.microsoft.com/office/drawing/2010/main" xmlns:p15="http://schemas.microsoft.com/office/powerpoint/2012/main" xmlns:p159="http://schemas.microsoft.com/office/powerpoint/2015/09/main" xmlns:p="http://schemas.openxmlformats.org/presentationml/2006/main" type="obj" preserve="1">
+<p:sldLayout xmlns:a="http://schemas.openxmlformats.org/drawingml/2006/main" xmlns:r="http://schemas.openxmlformats.org/officeDocument/2006/relationships" xmlns:m="http://schemas.openxmlformats.org/officeDocument/2006/math" xmlns:w="http://schemas.openxmlformats.org/wordprocessingml/2006/main" xmlns:wp="http://schemas.openxmlformats.org/drawingml/2006/wordprocessingDrawing" xmlns:a14="http://schemas.microsoft.com/office/drawing/2010/main" xmlns:mc="http://schemas.openxmlformats.org/markup-compatibility/2006" xmlns:p14="http://schemas.microsoft.com/office/powerpoint/2010/main" xmlns:p15="http://schemas.microsoft.com/office/powerpoint/2012/main" xmlns:p159="http://schemas.microsoft.com/office/powerpoint/2015/09/main" xmlns:p="http://schemas.openxmlformats.org/presentationml/2006/main" type="obj" preserve="1">
   <p:cSld name="Title and Content">
     <p:spTree>
       <p:nvGrpSpPr>
-        <p:cNvPr id="1" name=""/>
+        <p:cNvPr id="1" name="" title=""/>
         <p:cNvGrpSpPr/>
         <p:nvPr/>
       </p:nvGrpSpPr>
@@ -1561,7 +1561,7 @@
       </p:grpSpPr>
       <p:sp>
         <p:nvSpPr>
-          <p:cNvPr id="2" name="Title 1"/>
+          <p:cNvPr id="2" name="Title 1" title=""/>
           <p:cNvSpPr>
             <a:spLocks noGrp="1"/>
           </p:cNvSpPr>
@@ -1584,7 +1584,7 @@
       </p:sp>
       <p:sp>
         <p:nvSpPr>
-          <p:cNvPr id="3" name="Content Placeholder 2"/>
+          <p:cNvPr id="3" name="Content Placeholder 2" title=""/>
           <p:cNvSpPr>
             <a:spLocks noGrp="1"/>
           </p:cNvSpPr>
@@ -1635,7 +1635,7 @@
       </p:sp>
       <p:sp>
         <p:nvSpPr>
-          <p:cNvPr id="4" name="Date Placeholder 3"/>
+          <p:cNvPr id="4" name="Date Placeholder 3" title=""/>
           <p:cNvSpPr>
             <a:spLocks noGrp="1"/>
           </p:cNvSpPr>
@@ -1648,7 +1648,7 @@
           <a:bodyPr/>
           <a:lstStyle/>
           <a:p>
-            <a:fld id="{FFFBEAE2-A42A-496B-BF96-E18AA57DA106}" type="datetimeFigureOut">
+            <a:fld id="{7426B569-5A5A-480A-9F7D-1C5B191EAEBD}" type="datetimeFigureOut">
               <a:rPr lang="en-US" smtClean="0"/>
               <a:t>11/7/2009</a:t>
             </a:fld>
@@ -1658,7 +1658,7 @@
       </p:sp>
       <p:sp>
         <p:nvSpPr>
-          <p:cNvPr id="5" name="Footer Placeholder 4"/>
+          <p:cNvPr id="5" name="Footer Placeholder 4" title=""/>
           <p:cNvSpPr>
             <a:spLocks noGrp="1"/>
           </p:cNvSpPr>
@@ -1677,7 +1677,7 @@
       </p:sp>
       <p:sp>
         <p:nvSpPr>
-          <p:cNvPr id="6" name="Slide Number Placeholder 5"/>
+          <p:cNvPr id="6" name="Slide Number Placeholder 5" title=""/>
           <p:cNvSpPr>
             <a:spLocks noGrp="1"/>
           </p:cNvSpPr>
@@ -1709,11 +1709,11 @@
 </file>
 
 <file path=ppt/slideLayouts/slideLayout3.xml><?xml version="1.0" encoding="utf-8"?>
-<p:sldLayout xmlns:a="http://schemas.openxmlformats.org/drawingml/2006/main" xmlns:r="http://schemas.openxmlformats.org/officeDocument/2006/relationships" xmlns:p14="http://schemas.microsoft.com/office/powerpoint/2010/main" xmlns:a14="http://schemas.microsoft.com/office/drawing/2010/main" xmlns:p15="http://schemas.microsoft.com/office/powerpoint/2012/main" xmlns:p159="http://schemas.microsoft.com/office/powerpoint/2015/09/main" xmlns:p="http://schemas.openxmlformats.org/presentationml/2006/main" type="secHead" preserve="1">
+<p:sldLayout xmlns:a="http://schemas.openxmlformats.org/drawingml/2006/main" xmlns:r="http://schemas.openxmlformats.org/officeDocument/2006/relationships" xmlns:m="http://schemas.openxmlformats.org/officeDocument/2006/math" xmlns:w="http://schemas.openxmlformats.org/wordprocessingml/2006/main" xmlns:wp="http://schemas.openxmlformats.org/drawingml/2006/wordprocessingDrawing" xmlns:a14="http://schemas.microsoft.com/office/drawing/2010/main" xmlns:mc="http://schemas.openxmlformats.org/markup-compatibility/2006" xmlns:p14="http://schemas.microsoft.com/office/powerpoint/2010/main" xmlns:p15="http://schemas.microsoft.com/office/powerpoint/2012/main" xmlns:p159="http://schemas.microsoft.com/office/powerpoint/2015/09/main" xmlns:p="http://schemas.openxmlformats.org/presentationml/2006/main" type="secHead" preserve="1">
   <p:cSld name="Section Header">
     <p:spTree>
       <p:nvGrpSpPr>
-        <p:cNvPr id="1" name=""/>
+        <p:cNvPr id="1" name="" title=""/>
         <p:cNvGrpSpPr/>
         <p:nvPr/>
       </p:nvGrpSpPr>
@@ -1725,7 +1725,7 @@
       </p:grpSpPr>
       <p:sp>
         <p:nvSpPr>
-          <p:cNvPr id="2" name="Title 1"/>
+          <p:cNvPr id="2" name="Title 1" title=""/>
           <p:cNvSpPr>
             <a:spLocks noGrp="1"/>
           </p:cNvSpPr>
@@ -1752,7 +1752,7 @@
       </p:sp>
       <p:sp>
         <p:nvSpPr>
-          <p:cNvPr id="3" name="Text Placeholder 2"/>
+          <p:cNvPr id="3" name="Text Placeholder 2" title=""/>
           <p:cNvSpPr>
             <a:spLocks noGrp="1"/>
           </p:cNvSpPr>
@@ -1865,7 +1865,7 @@
       </p:sp>
       <p:sp>
         <p:nvSpPr>
-          <p:cNvPr id="4" name="Date Placeholder 3"/>
+          <p:cNvPr id="4" name="Date Placeholder 3" title=""/>
           <p:cNvSpPr>
             <a:spLocks noGrp="1"/>
           </p:cNvSpPr>
@@ -1878,7 +1878,7 @@
           <a:bodyPr/>
           <a:lstStyle/>
           <a:p>
-            <a:fld id="{1AC99989-EB87-4C50-9362-E39232494A09}" type="datetimeFigureOut">
+            <a:fld id="{44E8DAB3-5BCE-44DF-9DC9-65B39A2B7FB7}" type="datetimeFigureOut">
               <a:rPr lang="en-US" smtClean="0"/>
               <a:t>11/7/2009</a:t>
             </a:fld>
@@ -1888,7 +1888,7 @@
       </p:sp>
       <p:sp>
         <p:nvSpPr>
-          <p:cNvPr id="5" name="Footer Placeholder 4"/>
+          <p:cNvPr id="5" name="Footer Placeholder 4" title=""/>
           <p:cNvSpPr>
             <a:spLocks noGrp="1"/>
           </p:cNvSpPr>
@@ -1907,7 +1907,7 @@
       </p:sp>
       <p:sp>
         <p:nvSpPr>
-          <p:cNvPr id="6" name="Slide Number Placeholder 5"/>
+          <p:cNvPr id="6" name="Slide Number Placeholder 5" title=""/>
           <p:cNvSpPr>
             <a:spLocks noGrp="1"/>
           </p:cNvSpPr>
@@ -1939,11 +1939,11 @@
 </file>
 
 <file path=ppt/slideLayouts/slideLayout4.xml><?xml version="1.0" encoding="utf-8"?>
-<p:sldLayout xmlns:a="http://schemas.openxmlformats.org/drawingml/2006/main" xmlns:r="http://schemas.openxmlformats.org/officeDocument/2006/relationships" xmlns:p14="http://schemas.microsoft.com/office/powerpoint/2010/main" xmlns:a14="http://schemas.microsoft.com/office/drawing/2010/main" xmlns:p15="http://schemas.microsoft.com/office/powerpoint/2012/main" xmlns:p159="http://schemas.microsoft.com/office/powerpoint/2015/09/main" xmlns:p="http://schemas.openxmlformats.org/presentationml/2006/main" type="twoObj" preserve="1">
+<p:sldLayout xmlns:a="http://schemas.openxmlformats.org/drawingml/2006/main" xmlns:r="http://schemas.openxmlformats.org/officeDocument/2006/relationships" xmlns:m="http://schemas.openxmlformats.org/officeDocument/2006/math" xmlns:w="http://schemas.openxmlformats.org/wordprocessingml/2006/main" xmlns:wp="http://schemas.openxmlformats.org/drawingml/2006/wordprocessingDrawing" xmlns:a14="http://schemas.microsoft.com/office/drawing/2010/main" xmlns:mc="http://schemas.openxmlformats.org/markup-compatibility/2006" xmlns:p14="http://schemas.microsoft.com/office/powerpoint/2010/main" xmlns:p15="http://schemas.microsoft.com/office/powerpoint/2012/main" xmlns:p159="http://schemas.microsoft.com/office/powerpoint/2015/09/main" xmlns:p="http://schemas.openxmlformats.org/presentationml/2006/main" type="twoObj" preserve="1">
   <p:cSld name="Two Content">
     <p:spTree>
       <p:nvGrpSpPr>
-        <p:cNvPr id="1" name=""/>
+        <p:cNvPr id="1" name="" title=""/>
         <p:cNvGrpSpPr/>
         <p:nvPr/>
       </p:nvGrpSpPr>
@@ -1955,7 +1955,7 @@
       </p:grpSpPr>
       <p:sp>
         <p:nvSpPr>
-          <p:cNvPr id="2" name="Title 1"/>
+          <p:cNvPr id="2" name="Title 1" title=""/>
           <p:cNvSpPr>
             <a:spLocks noGrp="1"/>
           </p:cNvSpPr>
@@ -1978,7 +1978,7 @@
       </p:sp>
       <p:sp>
         <p:nvSpPr>
-          <p:cNvPr id="3" name="Content Placeholder 2"/>
+          <p:cNvPr id="3" name="Content Placeholder 2" title=""/>
           <p:cNvSpPr>
             <a:spLocks noGrp="1"/>
           </p:cNvSpPr>
@@ -2057,7 +2057,7 @@
       </p:sp>
       <p:sp>
         <p:nvSpPr>
-          <p:cNvPr id="4" name="Content Placeholder 3"/>
+          <p:cNvPr id="4" name="Content Placeholder 3" title=""/>
           <p:cNvSpPr>
             <a:spLocks noGrp="1"/>
           </p:cNvSpPr>
@@ -2136,7 +2136,7 @@
       </p:sp>
       <p:sp>
         <p:nvSpPr>
-          <p:cNvPr id="5" name="Date Placeholder 4"/>
+          <p:cNvPr id="5" name="Date Placeholder 4" title=""/>
           <p:cNvSpPr>
             <a:spLocks noGrp="1"/>
           </p:cNvSpPr>
@@ -2149,7 +2149,7 @@
           <a:bodyPr/>
           <a:lstStyle/>
           <a:p>
-            <a:fld id="{DB1E2DC7-78B8-46B8-9A76-08F3BE83E57B}" type="datetimeFigureOut">
+            <a:fld id="{3F946FE1-4640-4370-B68D-F1E1F1C7A1A6}" type="datetimeFigureOut">
               <a:rPr lang="en-US" smtClean="0"/>
               <a:t>11/7/2009</a:t>
             </a:fld>
@@ -2159,7 +2159,7 @@
       </p:sp>
       <p:sp>
         <p:nvSpPr>
-          <p:cNvPr id="6" name="Footer Placeholder 5"/>
+          <p:cNvPr id="6" name="Footer Placeholder 5" title=""/>
           <p:cNvSpPr>
             <a:spLocks noGrp="1"/>
           </p:cNvSpPr>
@@ -2178,7 +2178,7 @@
       </p:sp>
       <p:sp>
         <p:nvSpPr>
-          <p:cNvPr id="7" name="Slide Number Placeholder 6"/>
+          <p:cNvPr id="7" name="Slide Number Placeholder 6" title=""/>
           <p:cNvSpPr>
             <a:spLocks noGrp="1"/>
           </p:cNvSpPr>
@@ -2210,11 +2210,11 @@
 </file>
 
 <file path=ppt/slideLayouts/slideLayout5.xml><?xml version="1.0" encoding="utf-8"?>
-<p:sldLayout xmlns:a="http://schemas.openxmlformats.org/drawingml/2006/main" xmlns:r="http://schemas.openxmlformats.org/officeDocument/2006/relationships" xmlns:p14="http://schemas.microsoft.com/office/powerpoint/2010/main" xmlns:a14="http://schemas.microsoft.com/office/drawing/2010/main" xmlns:p15="http://schemas.microsoft.com/office/powerpoint/2012/main" xmlns:p159="http://schemas.microsoft.com/office/powerpoint/2015/09/main" xmlns:p="http://schemas.openxmlformats.org/presentationml/2006/main" type="twoTxTwoObj" preserve="1">
+<p:sldLayout xmlns:a="http://schemas.openxmlformats.org/drawingml/2006/main" xmlns:r="http://schemas.openxmlformats.org/officeDocument/2006/relationships" xmlns:m="http://schemas.openxmlformats.org/officeDocument/2006/math" xmlns:w="http://schemas.openxmlformats.org/wordprocessingml/2006/main" xmlns:wp="http://schemas.openxmlformats.org/drawingml/2006/wordprocessingDrawing" xmlns:a14="http://schemas.microsoft.com/office/drawing/2010/main" xmlns:mc="http://schemas.openxmlformats.org/markup-compatibility/2006" xmlns:p14="http://schemas.microsoft.com/office/powerpoint/2010/main" xmlns:p15="http://schemas.microsoft.com/office/powerpoint/2012/main" xmlns:p159="http://schemas.microsoft.com/office/powerpoint/2015/09/main" xmlns:p="http://schemas.openxmlformats.org/presentationml/2006/main" type="twoTxTwoObj" preserve="1">
   <p:cSld name="Comparison">
     <p:spTree>
       <p:nvGrpSpPr>
-        <p:cNvPr id="1" name=""/>
+        <p:cNvPr id="1" name="" title=""/>
         <p:cNvGrpSpPr/>
         <p:nvPr/>
       </p:nvGrpSpPr>
@@ -2226,7 +2226,7 @@
       </p:grpSpPr>
       <p:sp>
         <p:nvSpPr>
-          <p:cNvPr id="2" name="Title 1"/>
+          <p:cNvPr id="2" name="Title 1" title=""/>
           <p:cNvSpPr>
             <a:spLocks noGrp="1"/>
           </p:cNvSpPr>
@@ -2249,7 +2249,7 @@
       </p:sp>
       <p:sp>
         <p:nvSpPr>
-          <p:cNvPr id="3" name="Text Placeholder 2"/>
+          <p:cNvPr id="3" name="Text Placeholder 2" title=""/>
           <p:cNvSpPr>
             <a:spLocks noGrp="1"/>
           </p:cNvSpPr>
@@ -2308,7 +2308,7 @@
       </p:sp>
       <p:sp>
         <p:nvSpPr>
-          <p:cNvPr id="4" name="Content Placeholder 3"/>
+          <p:cNvPr id="4" name="Content Placeholder 3" title=""/>
           <p:cNvSpPr>
             <a:spLocks noGrp="1"/>
           </p:cNvSpPr>
@@ -2387,7 +2387,7 @@
       </p:sp>
       <p:sp>
         <p:nvSpPr>
-          <p:cNvPr id="5" name="Text Placeholder 4"/>
+          <p:cNvPr id="5" name="Text Placeholder 4" title=""/>
           <p:cNvSpPr>
             <a:spLocks noGrp="1"/>
           </p:cNvSpPr>
@@ -2446,7 +2446,7 @@
       </p:sp>
       <p:sp>
         <p:nvSpPr>
-          <p:cNvPr id="6" name="Content Placeholder 5"/>
+          <p:cNvPr id="6" name="Content Placeholder 5" title=""/>
           <p:cNvSpPr>
             <a:spLocks noGrp="1"/>
           </p:cNvSpPr>
@@ -2525,7 +2525,7 @@
       </p:sp>
       <p:sp>
         <p:nvSpPr>
-          <p:cNvPr id="7" name="Date Placeholder 6"/>
+          <p:cNvPr id="7" name="Date Placeholder 6" title=""/>
           <p:cNvSpPr>
             <a:spLocks noGrp="1"/>
           </p:cNvSpPr>
@@ -2538,7 +2538,7 @@
           <a:bodyPr/>
           <a:lstStyle/>
           <a:p>
-            <a:fld id="{CC1A0CD6-4701-4747-A7CA-36CE710F1093}" type="datetimeFigureOut">
+            <a:fld id="{4A6DB03C-0AC6-4048-86E7-F46800636557}" type="datetimeFigureOut">
               <a:rPr lang="en-US" smtClean="0"/>
               <a:t>11/7/2009</a:t>
             </a:fld>
@@ -2548,7 +2548,7 @@
       </p:sp>
       <p:sp>
         <p:nvSpPr>
-          <p:cNvPr id="8" name="Footer Placeholder 7"/>
+          <p:cNvPr id="8" name="Footer Placeholder 7" title=""/>
           <p:cNvSpPr>
             <a:spLocks noGrp="1"/>
           </p:cNvSpPr>
@@ -2567,7 +2567,7 @@
       </p:sp>
       <p:sp>
         <p:nvSpPr>
-          <p:cNvPr id="9" name="Slide Number Placeholder 8"/>
+          <p:cNvPr id="9" name="Slide Number Placeholder 8" title=""/>
           <p:cNvSpPr>
             <a:spLocks noGrp="1"/>
           </p:cNvSpPr>
@@ -2599,11 +2599,11 @@
 </file>
 
 <file path=ppt/slideLayouts/slideLayout6.xml><?xml version="1.0" encoding="utf-8"?>
-<p:sldLayout xmlns:a="http://schemas.openxmlformats.org/drawingml/2006/main" xmlns:r="http://schemas.openxmlformats.org/officeDocument/2006/relationships" xmlns:p14="http://schemas.microsoft.com/office/powerpoint/2010/main" xmlns:a14="http://schemas.microsoft.com/office/drawing/2010/main" xmlns:p15="http://schemas.microsoft.com/office/powerpoint/2012/main" xmlns:p159="http://schemas.microsoft.com/office/powerpoint/2015/09/main" xmlns:p="http://schemas.openxmlformats.org/presentationml/2006/main" type="titleOnly" preserve="1">
+<p:sldLayout xmlns:a="http://schemas.openxmlformats.org/drawingml/2006/main" xmlns:r="http://schemas.openxmlformats.org/officeDocument/2006/relationships" xmlns:m="http://schemas.openxmlformats.org/officeDocument/2006/math" xmlns:w="http://schemas.openxmlformats.org/wordprocessingml/2006/main" xmlns:wp="http://schemas.openxmlformats.org/drawingml/2006/wordprocessingDrawing" xmlns:a14="http://schemas.microsoft.com/office/drawing/2010/main" xmlns:mc="http://schemas.openxmlformats.org/markup-compatibility/2006" xmlns:p14="http://schemas.microsoft.com/office/powerpoint/2010/main" xmlns:p15="http://schemas.microsoft.com/office/powerpoint/2012/main" xmlns:p159="http://schemas.microsoft.com/office/powerpoint/2015/09/main" xmlns:p="http://schemas.openxmlformats.org/presentationml/2006/main" type="titleOnly" preserve="1">
   <p:cSld name="Title Only">
     <p:spTree>
       <p:nvGrpSpPr>
-        <p:cNvPr id="1" name=""/>
+        <p:cNvPr id="1" name="" title=""/>
         <p:cNvGrpSpPr/>
         <p:nvPr/>
       </p:nvGrpSpPr>
@@ -2615,7 +2615,7 @@
       </p:grpSpPr>
       <p:sp>
         <p:nvSpPr>
-          <p:cNvPr id="2" name="Title 1"/>
+          <p:cNvPr id="2" name="Title 1" title=""/>
           <p:cNvSpPr>
             <a:spLocks noGrp="1"/>
           </p:cNvSpPr>
@@ -2638,7 +2638,7 @@
       </p:sp>
       <p:sp>
         <p:nvSpPr>
-          <p:cNvPr id="3" name="Date Placeholder 2"/>
+          <p:cNvPr id="3" name="Date Placeholder 2" title=""/>
           <p:cNvSpPr>
             <a:spLocks noGrp="1"/>
           </p:cNvSpPr>
@@ -2651,7 +2651,7 @@
           <a:bodyPr/>
           <a:lstStyle/>
           <a:p>
-            <a:fld id="{3B7D80E0-5819-418E-BE4D-0AD7E0B756FF}" type="datetimeFigureOut">
+            <a:fld id="{C7A6DF95-64F3-4ACA-83BE-CCDA346016B3}" type="datetimeFigureOut">
               <a:rPr lang="en-US" smtClean="0"/>
               <a:t>11/7/2009</a:t>
             </a:fld>
@@ -2661,7 +2661,7 @@
       </p:sp>
       <p:sp>
         <p:nvSpPr>
-          <p:cNvPr id="4" name="Footer Placeholder 3"/>
+          <p:cNvPr id="4" name="Footer Placeholder 3" title=""/>
           <p:cNvSpPr>
             <a:spLocks noGrp="1"/>
           </p:cNvSpPr>
@@ -2680,7 +2680,7 @@
       </p:sp>
       <p:sp>
         <p:nvSpPr>
-          <p:cNvPr id="5" name="Slide Number Placeholder 4"/>
+          <p:cNvPr id="5" name="Slide Number Placeholder 4" title=""/>
           <p:cNvSpPr>
             <a:spLocks noGrp="1"/>
           </p:cNvSpPr>
@@ -2712,11 +2712,11 @@
 </file>
 
 <file path=ppt/slideLayouts/slideLayout7.xml><?xml version="1.0" encoding="utf-8"?>
-<p:sldLayout xmlns:a="http://schemas.openxmlformats.org/drawingml/2006/main" xmlns:r="http://schemas.openxmlformats.org/officeDocument/2006/relationships" xmlns:p14="http://schemas.microsoft.com/office/powerpoint/2010/main" xmlns:a14="http://schemas.microsoft.com/office/drawing/2010/main" xmlns:p15="http://schemas.microsoft.com/office/powerpoint/2012/main" xmlns:p159="http://schemas.microsoft.com/office/powerpoint/2015/09/main" xmlns:p="http://schemas.openxmlformats.org/presentationml/2006/main" type="blank" preserve="1">
+<p:sldLayout xmlns:a="http://schemas.openxmlformats.org/drawingml/2006/main" xmlns:r="http://schemas.openxmlformats.org/officeDocument/2006/relationships" xmlns:m="http://schemas.openxmlformats.org/officeDocument/2006/math" xmlns:w="http://schemas.openxmlformats.org/wordprocessingml/2006/main" xmlns:wp="http://schemas.openxmlformats.org/drawingml/2006/wordprocessingDrawing" xmlns:a14="http://schemas.microsoft.com/office/drawing/2010/main" xmlns:mc="http://schemas.openxmlformats.org/markup-compatibility/2006" xmlns:p14="http://schemas.microsoft.com/office/powerpoint/2010/main" xmlns:p15="http://schemas.microsoft.com/office/powerpoint/2012/main" xmlns:p159="http://schemas.microsoft.com/office/powerpoint/2015/09/main" xmlns:p="http://schemas.openxmlformats.org/presentationml/2006/main" type="blank" preserve="1">
   <p:cSld name="Blank">
     <p:spTree>
       <p:nvGrpSpPr>
-        <p:cNvPr id="1" name=""/>
+        <p:cNvPr id="1" name="" title=""/>
         <p:cNvGrpSpPr/>
         <p:nvPr/>
       </p:nvGrpSpPr>
@@ -2728,7 +2728,7 @@
       </p:grpSpPr>
       <p:sp>
         <p:nvSpPr>
-          <p:cNvPr id="2" name="Date Placeholder 1"/>
+          <p:cNvPr id="2" name="Date Placeholder 1" title=""/>
           <p:cNvSpPr>
             <a:spLocks noGrp="1"/>
           </p:cNvSpPr>
@@ -2741,7 +2741,7 @@
           <a:bodyPr/>
           <a:lstStyle/>
           <a:p>
-            <a:fld id="{739B571E-1130-4B4F-8E79-4B2CF23ED83E}" type="datetimeFigureOut">
+            <a:fld id="{44547DDE-C58E-4B16-ACA1-1291F63E35A9}" type="datetimeFigureOut">
               <a:rPr lang="en-US" smtClean="0"/>
               <a:t>11/7/2009</a:t>
             </a:fld>
@@ -2751,7 +2751,7 @@
       </p:sp>
       <p:sp>
         <p:nvSpPr>
-          <p:cNvPr id="3" name="Footer Placeholder 2"/>
+          <p:cNvPr id="3" name="Footer Placeholder 2" title=""/>
           <p:cNvSpPr>
             <a:spLocks noGrp="1"/>
           </p:cNvSpPr>
@@ -2770,7 +2770,7 @@
       </p:sp>
       <p:sp>
         <p:nvSpPr>
-          <p:cNvPr id="4" name="Slide Number Placeholder 3"/>
+          <p:cNvPr id="4" name="Slide Number Placeholder 3" title=""/>
           <p:cNvSpPr>
             <a:spLocks noGrp="1"/>
           </p:cNvSpPr>
@@ -2802,11 +2802,11 @@
 </file>
 
 <file path=ppt/slideLayouts/slideLayout8.xml><?xml version="1.0" encoding="utf-8"?>
-<p:sldLayout xmlns:a="http://schemas.openxmlformats.org/drawingml/2006/main" xmlns:r="http://schemas.openxmlformats.org/officeDocument/2006/relationships" xmlns:p14="http://schemas.microsoft.com/office/powerpoint/2010/main" xmlns:a14="http://schemas.microsoft.com/office/drawing/2010/main" xmlns:p15="http://schemas.microsoft.com/office/powerpoint/2012/main" xmlns:p159="http://schemas.microsoft.com/office/powerpoint/2015/09/main" xmlns:p="http://schemas.openxmlformats.org/presentationml/2006/main" type="objTx" preserve="1">
+<p:sldLayout xmlns:a="http://schemas.openxmlformats.org/drawingml/2006/main" xmlns:r="http://schemas.openxmlformats.org/officeDocument/2006/relationships" xmlns:m="http://schemas.openxmlformats.org/officeDocument/2006/math" xmlns:w="http://schemas.openxmlformats.org/wordprocessingml/2006/main" xmlns:wp="http://schemas.openxmlformats.org/drawingml/2006/wordprocessingDrawing" xmlns:a14="http://schemas.microsoft.com/office/drawing/2010/main" xmlns:mc="http://schemas.openxmlformats.org/markup-compatibility/2006" xmlns:p14="http://schemas.microsoft.com/office/powerpoint/2010/main" xmlns:p15="http://schemas.microsoft.com/office/powerpoint/2012/main" xmlns:p159="http://schemas.microsoft.com/office/powerpoint/2015/09/main" xmlns:p="http://schemas.openxmlformats.org/presentationml/2006/main" type="objTx" preserve="1">
   <p:cSld name="Content with Caption">
     <p:spTree>
       <p:nvGrpSpPr>
-        <p:cNvPr id="1" name=""/>
+        <p:cNvPr id="1" name="" title=""/>
         <p:cNvGrpSpPr/>
         <p:nvPr/>
       </p:nvGrpSpPr>
@@ -2818,7 +2818,7 @@
       </p:grpSpPr>
       <p:sp>
         <p:nvSpPr>
-          <p:cNvPr id="2" name="Title 1"/>
+          <p:cNvPr id="2" name="Title 1" title=""/>
           <p:cNvSpPr>
             <a:spLocks noGrp="1"/>
           </p:cNvSpPr>
@@ -2845,7 +2845,7 @@
       </p:sp>
       <p:sp>
         <p:nvSpPr>
-          <p:cNvPr id="3" name="Content Placeholder 2"/>
+          <p:cNvPr id="3" name="Content Placeholder 2" title=""/>
           <p:cNvSpPr>
             <a:spLocks noGrp="1"/>
           </p:cNvSpPr>
@@ -2924,7 +2924,7 @@
       </p:sp>
       <p:sp>
         <p:nvSpPr>
-          <p:cNvPr id="4" name="Text Placeholder 3"/>
+          <p:cNvPr id="4" name="Text Placeholder 3" title=""/>
           <p:cNvSpPr>
             <a:spLocks noGrp="1"/>
           </p:cNvSpPr>
@@ -2983,7 +2983,7 @@
       </p:sp>
       <p:sp>
         <p:nvSpPr>
-          <p:cNvPr id="5" name="Date Placeholder 4"/>
+          <p:cNvPr id="5" name="Date Placeholder 4" title=""/>
           <p:cNvSpPr>
             <a:spLocks noGrp="1"/>
           </p:cNvSpPr>
@@ -2996,7 +2996,7 @@
           <a:bodyPr/>
           <a:lstStyle/>
           <a:p>
-            <a:fld id="{DA794C61-7307-48FE-876B-14396BF12D4A}" type="datetimeFigureOut">
+            <a:fld id="{962C1019-8732-4752-AECE-FFB4AFE87424}" type="datetimeFigureOut">
               <a:rPr lang="en-US" smtClean="0"/>
               <a:t>11/7/2009</a:t>
             </a:fld>
@@ -3006,7 +3006,7 @@
       </p:sp>
       <p:sp>
         <p:nvSpPr>
-          <p:cNvPr id="6" name="Footer Placeholder 5"/>
+          <p:cNvPr id="6" name="Footer Placeholder 5" title=""/>
           <p:cNvSpPr>
             <a:spLocks noGrp="1"/>
           </p:cNvSpPr>
@@ -3025,7 +3025,7 @@
       </p:sp>
       <p:sp>
         <p:nvSpPr>
-          <p:cNvPr id="7" name="Slide Number Placeholder 6"/>
+          <p:cNvPr id="7" name="Slide Number Placeholder 6" title=""/>
           <p:cNvSpPr>
             <a:spLocks noGrp="1"/>
           </p:cNvSpPr>
@@ -3057,11 +3057,11 @@
 </file>
 
 <file path=ppt/slideLayouts/slideLayout9.xml><?xml version="1.0" encoding="utf-8"?>
-<p:sldLayout xmlns:a="http://schemas.openxmlformats.org/drawingml/2006/main" xmlns:r="http://schemas.openxmlformats.org/officeDocument/2006/relationships" xmlns:p14="http://schemas.microsoft.com/office/powerpoint/2010/main" xmlns:a14="http://schemas.microsoft.com/office/drawing/2010/main" xmlns:p15="http://schemas.microsoft.com/office/powerpoint/2012/main" xmlns:p159="http://schemas.microsoft.com/office/powerpoint/2015/09/main" xmlns:p="http://schemas.openxmlformats.org/presentationml/2006/main" type="picTx" preserve="1">
+<p:sldLayout xmlns:a="http://schemas.openxmlformats.org/drawingml/2006/main" xmlns:r="http://schemas.openxmlformats.org/officeDocument/2006/relationships" xmlns:m="http://schemas.openxmlformats.org/officeDocument/2006/math" xmlns:w="http://schemas.openxmlformats.org/wordprocessingml/2006/main" xmlns:wp="http://schemas.openxmlformats.org/drawingml/2006/wordprocessingDrawing" xmlns:a14="http://schemas.microsoft.com/office/drawing/2010/main" xmlns:mc="http://schemas.openxmlformats.org/markup-compatibility/2006" xmlns:p14="http://schemas.microsoft.com/office/powerpoint/2010/main" xmlns:p15="http://schemas.microsoft.com/office/powerpoint/2012/main" xmlns:p159="http://schemas.microsoft.com/office/powerpoint/2015/09/main" xmlns:p="http://schemas.openxmlformats.org/presentationml/2006/main" type="picTx" preserve="1">
   <p:cSld name="Picture with Caption">
     <p:spTree>
       <p:nvGrpSpPr>
-        <p:cNvPr id="1" name=""/>
+        <p:cNvPr id="1" name="" title=""/>
         <p:cNvGrpSpPr/>
         <p:nvPr/>
       </p:nvGrpSpPr>
@@ -3073,7 +3073,7 @@
       </p:grpSpPr>
       <p:sp>
         <p:nvSpPr>
-          <p:cNvPr id="2" name="Title 1"/>
+          <p:cNvPr id="2" name="Title 1" title=""/>
           <p:cNvSpPr>
             <a:spLocks noGrp="1"/>
           </p:cNvSpPr>
@@ -3100,7 +3100,7 @@
       </p:sp>
       <p:sp>
         <p:nvSpPr>
-          <p:cNvPr id="3" name="Picture Placeholder 2"/>
+          <p:cNvPr id="3" name="Picture Placeholder 2" title=""/>
           <p:cNvSpPr>
             <a:spLocks noGrp="1"/>
           </p:cNvSpPr>
@@ -3156,7 +3156,7 @@
       </p:sp>
       <p:sp>
         <p:nvSpPr>
-          <p:cNvPr id="4" name="Text Placeholder 3"/>
+          <p:cNvPr id="4" name="Text Placeholder 3" title=""/>
           <p:cNvSpPr>
             <a:spLocks noGrp="1"/>
           </p:cNvSpPr>
@@ -3215,7 +3215,7 @@
       </p:sp>
       <p:sp>
         <p:nvSpPr>
-          <p:cNvPr id="5" name="Date Placeholder 4"/>
+          <p:cNvPr id="5" name="Date Placeholder 4" title=""/>
           <p:cNvSpPr>
             <a:spLocks noGrp="1"/>
           </p:cNvSpPr>
@@ -3228,7 +3228,7 @@
           <a:bodyPr/>
           <a:lstStyle/>
           <a:p>
-            <a:fld id="{884FD7B9-8EE9-478A-84A9-B0DFF1D87ED3}" type="datetimeFigureOut">
+            <a:fld id="{488691A7-5F44-4C35-A68C-1640E07463CF}" type="datetimeFigureOut">
               <a:rPr lang="en-US" smtClean="0"/>
               <a:t>11/7/2009</a:t>
             </a:fld>
@@ -3238,7 +3238,7 @@
       </p:sp>
       <p:sp>
         <p:nvSpPr>
-          <p:cNvPr id="6" name="Footer Placeholder 5"/>
+          <p:cNvPr id="6" name="Footer Placeholder 5" title=""/>
           <p:cNvSpPr>
             <a:spLocks noGrp="1"/>
           </p:cNvSpPr>
@@ -3257,7 +3257,7 @@
       </p:sp>
       <p:sp>
         <p:nvSpPr>
-          <p:cNvPr id="7" name="Slide Number Placeholder 6"/>
+          <p:cNvPr id="7" name="Slide Number Placeholder 6" title=""/>
           <p:cNvSpPr>
             <a:spLocks noGrp="1"/>
           </p:cNvSpPr>
@@ -3289,7 +3289,7 @@
 </file>
 
 <file path=ppt/slideMasters/slideMaster1.xml><?xml version="1.0" encoding="utf-8"?>
-<p:sldMaster xmlns:a="http://schemas.openxmlformats.org/drawingml/2006/main" xmlns:r="http://schemas.openxmlformats.org/officeDocument/2006/relationships" xmlns:p14="http://schemas.microsoft.com/office/powerpoint/2010/main" xmlns:a14="http://schemas.microsoft.com/office/drawing/2010/main" xmlns:p15="http://schemas.microsoft.com/office/powerpoint/2012/main" xmlns:p159="http://schemas.microsoft.com/office/powerpoint/2015/09/main" xmlns:p="http://schemas.openxmlformats.org/presentationml/2006/main">
+<p:sldMaster xmlns:a="http://schemas.openxmlformats.org/drawingml/2006/main" xmlns:r="http://schemas.openxmlformats.org/officeDocument/2006/relationships" xmlns:m="http://schemas.openxmlformats.org/officeDocument/2006/math" xmlns:w="http://schemas.openxmlformats.org/wordprocessingml/2006/main" xmlns:wp="http://schemas.openxmlformats.org/drawingml/2006/wordprocessingDrawing" xmlns:a14="http://schemas.microsoft.com/office/drawing/2010/main" xmlns:mc="http://schemas.openxmlformats.org/markup-compatibility/2006" xmlns:p14="http://schemas.microsoft.com/office/powerpoint/2010/main" xmlns:p15="http://schemas.microsoft.com/office/powerpoint/2012/main" xmlns:p159="http://schemas.microsoft.com/office/powerpoint/2015/09/main" xmlns:p="http://schemas.openxmlformats.org/presentationml/2006/main">
   <p:cSld>
     <p:bg>
       <p:bgRef idx="1001">
@@ -3298,7 +3298,7 @@
     </p:bg>
     <p:spTree>
       <p:nvGrpSpPr>
-        <p:cNvPr id="1" name=""/>
+        <p:cNvPr id="1" name="" title=""/>
         <p:cNvGrpSpPr/>
         <p:nvPr/>
       </p:nvGrpSpPr>
@@ -3310,7 +3310,7 @@
       </p:grpSpPr>
       <p:sp>
         <p:nvSpPr>
-          <p:cNvPr id="2" name="Title Placeholder 1"/>
+          <p:cNvPr id="2" name="Title Placeholder 1" title=""/>
           <p:cNvSpPr>
             <a:spLocks noGrp="1"/>
           </p:cNvSpPr>
@@ -3343,7 +3343,7 @@
       </p:sp>
       <p:sp>
         <p:nvSpPr>
-          <p:cNvPr id="3" name="Text Placeholder 2"/>
+          <p:cNvPr id="3" name="Text Placeholder 2" title=""/>
           <p:cNvSpPr>
             <a:spLocks noGrp="1"/>
           </p:cNvSpPr>
@@ -3404,7 +3404,7 @@
       </p:sp>
       <p:sp>
         <p:nvSpPr>
-          <p:cNvPr id="4" name="Date Placeholder 3"/>
+          <p:cNvPr id="4" name="Date Placeholder 3" title=""/>
           <p:cNvSpPr>
             <a:spLocks noGrp="1"/>
           </p:cNvSpPr>
@@ -3445,7 +3445,7 @@
       </p:sp>
       <p:sp>
         <p:nvSpPr>
-          <p:cNvPr id="5" name="Footer Placeholder 4"/>
+          <p:cNvPr id="5" name="Footer Placeholder 4" title=""/>
           <p:cNvSpPr>
             <a:spLocks noGrp="1"/>
           </p:cNvSpPr>
@@ -3482,7 +3482,7 @@
       </p:sp>
       <p:sp>
         <p:nvSpPr>
-          <p:cNvPr id="6" name="Slide Number Placeholder 5"/>
+          <p:cNvPr id="6" name="Slide Number Placeholder 5" title=""/>
           <p:cNvSpPr>
             <a:spLocks noGrp="1"/>
           </p:cNvSpPr>
@@ -3793,11 +3793,11 @@
 </file>
 
 <file path=ppt/slides/slide1.xml><?xml version="1.0" encoding="utf-8"?>
-<p:sld xmlns:a="http://schemas.openxmlformats.org/drawingml/2006/main" xmlns:r="http://schemas.openxmlformats.org/officeDocument/2006/relationships" xmlns:p14="http://schemas.microsoft.com/office/powerpoint/2010/main" xmlns:a14="http://schemas.microsoft.com/office/drawing/2010/main" xmlns:p15="http://schemas.microsoft.com/office/powerpoint/2012/main" xmlns:p159="http://schemas.microsoft.com/office/powerpoint/2015/09/main" xmlns:p="http://schemas.openxmlformats.org/presentationml/2006/main">
+<p:sld xmlns:a="http://schemas.openxmlformats.org/drawingml/2006/main" xmlns:r="http://schemas.openxmlformats.org/officeDocument/2006/relationships" xmlns:m="http://schemas.openxmlformats.org/officeDocument/2006/math" xmlns:w="http://schemas.openxmlformats.org/wordprocessingml/2006/main" xmlns:wp="http://schemas.openxmlformats.org/drawingml/2006/wordprocessingDrawing" xmlns:a14="http://schemas.microsoft.com/office/drawing/2010/main" xmlns:mc="http://schemas.openxmlformats.org/markup-compatibility/2006" xmlns:p14="http://schemas.microsoft.com/office/powerpoint/2010/main" xmlns:p15="http://schemas.microsoft.com/office/powerpoint/2012/main" xmlns:p159="http://schemas.microsoft.com/office/powerpoint/2015/09/main" xmlns:p="http://schemas.openxmlformats.org/presentationml/2006/main">
   <p:cSld>
     <p:spTree>
       <p:nvGrpSpPr>
-        <p:cNvPr id="1" name=""/>
+        <p:cNvPr id="1" name="" title=""/>
         <p:cNvGrpSpPr/>
         <p:nvPr/>
       </p:nvGrpSpPr>
@@ -3809,7 +3809,7 @@
       </p:grpSpPr>
       <p:graphicFrame>
         <p:nvGraphicFramePr>
-          <p:cNvPr id="2" name="ChartObject"/>
+          <p:cNvPr id="2" name="ChartObject" title=""/>
           <p:cNvGraphicFramePr/>
           <p:nvPr/>
         </p:nvGraphicFramePr>
@@ -3823,11 +3823,82 @@
           </a:graphicData>
         </a:graphic>
       </p:graphicFrame>
-      <mc:AlternateContent xmlns:mc="http://schemas.openxmlformats.org/markup-compatibility/2006">
+      <p:sp>
+        <p:nvSpPr>
+          <p:cNvPr id="3" name="TextBox"/>
+          <p:cNvSpPr txBox="1">
+            <a:spLocks noGrp="1" noSelect="1" noRot="1" noMove="1"/>
+          </p:cNvSpPr>
+          <p:nvPr/>
+        </p:nvSpPr>
+        <p:spPr>
+          <a:xfrm>
+            <a:off x="1366520" y="2644140"/>
+            <a:ext cx="6411372" cy="1569660"/>
+          </a:xfrm>
+          <a:prstGeom prst="rect">
+            <a:avLst/>
+          </a:prstGeom>
+          <a:noFill/>
+        </p:spPr>
+        <p:txBody>
+          <a:bodyPr wrap="none" rtlCol="0" anchor="ctr" anchorCtr="1">
+            <a:spAutoFit/>
+          </a:bodyPr>
+          <a:lstStyle>
+            <a:lvl1pPr algn="l">
+              <a:lnSpc>
+                <a:spcPct val="150000"/>
+              </a:lnSpc>
+              <a:spcBef>
+                <a:spcPct val="0"/>
+              </a:spcBef>
+              <a:spcAft>
+                <a:spcPct val="0"/>
+              </a:spcAft>
+              <a:defRPr lang="en-US" sz="3200" b="1" noProof="1">
+                <a:solidFill>
+                  <a:prstClr val="red">
+                    <a:lumOff val="30000"/>
+                    <a:alpha val="40000"/>
+                  </a:prstClr>
+                </a:solidFill>
+                <a:effectLst>
+                  <a:outerShdw blurRad="50800" dist="38100" algn="tr" rotWithShape="0">
+                    <a:prstClr val="black">
+                      <a:alpha val="80000"/>
+                    </a:prstClr>
+                  </a:outerShdw>
+                </a:effectLst>
+                <a:latin typeface="Calibri" pitchFamily="34" charset="0"/>
+              </a:defRPr>
+            </a:lvl1pPr>
+          </a:lstStyle>
+          <a:p>
+            <a:pPr algn="ctr"/>
+            <a:r>
+              <a:t>Evaluation only.</a:t>
+            </a:r>
+          </a:p>
+          <a:p>
+            <a:pPr algn="ctr"/>
+            <a:r>
+              <a:t>Created with Aspose.Slides for .NET 4.0 Client Profile 21.12.</a:t>
+            </a:r>
+          </a:p>
+          <a:p>
+            <a:pPr algn="ctr"/>
+            <a:r>
+              <a:t>Copyright 2004-2021Aspose Pty Ltd.</a:t>
+            </a:r>
+          </a:p>
+        </p:txBody>
+      </p:sp>
+      <mc:AlternateContent>
         <mc:Choice xmlns:cx2="http://schemas.microsoft.com/office/drawing/2015/10/21/chartex" Requires="cx2">
           <p:graphicFrame>
             <p:nvGraphicFramePr>
-              <p:cNvPr id="3" name="ChartObject"/>
+              <p:cNvPr id="4" name="ChartObject" title=""/>
               <p:cNvGraphicFramePr/>
               <p:nvPr/>
             </p:nvGraphicFramePr>
@@ -3845,7 +3916,7 @@
         <mc:Fallback>
           <p:pic>
             <p:nvPicPr>
-              <p:cNvPr id="0" name=""/>
+              <p:cNvPr id="0" name="" title=""/>
               <p:cNvPicPr/>
               <p:nvPr/>
             </p:nvPicPr>
@@ -3867,6 +3938,77 @@
           </p:pic>
         </mc:Fallback>
       </mc:AlternateContent>
+      <p:sp>
+        <p:nvSpPr>
+          <p:cNvPr id="5" name="TextBox"/>
+          <p:cNvSpPr txBox="1">
+            <a:spLocks noGrp="1" noSelect="1" noRot="1" noMove="1"/>
+          </p:cNvSpPr>
+          <p:nvPr/>
+        </p:nvSpPr>
+        <p:spPr>
+          <a:xfrm>
+            <a:off x="1366520" y="2644140"/>
+            <a:ext cx="6411372" cy="1569660"/>
+          </a:xfrm>
+          <a:prstGeom prst="rect">
+            <a:avLst/>
+          </a:prstGeom>
+          <a:noFill/>
+        </p:spPr>
+        <p:txBody>
+          <a:bodyPr wrap="none" rtlCol="0" anchor="ctr" anchorCtr="1">
+            <a:spAutoFit/>
+          </a:bodyPr>
+          <a:lstStyle>
+            <a:lvl1pPr algn="l">
+              <a:lnSpc>
+                <a:spcPct val="150000"/>
+              </a:lnSpc>
+              <a:spcBef>
+                <a:spcPct val="0"/>
+              </a:spcBef>
+              <a:spcAft>
+                <a:spcPct val="0"/>
+              </a:spcAft>
+              <a:defRPr lang="en-US" sz="3200" b="1" noProof="1" dirty="0">
+                <a:solidFill>
+                  <a:prstClr val="red">
+                    <a:lumOff val="30000"/>
+                    <a:alpha val="40000"/>
+                  </a:prstClr>
+                </a:solidFill>
+                <a:effectLst>
+                  <a:outerShdw blurRad="50800" dist="38100" algn="tr" rotWithShape="0">
+                    <a:prstClr val="black">
+                      <a:alpha val="80000"/>
+                    </a:prstClr>
+                  </a:outerShdw>
+                </a:effectLst>
+                <a:latin typeface="Calibri" pitchFamily="34" charset="0"/>
+              </a:defRPr>
+            </a:lvl1pPr>
+          </a:lstStyle>
+          <a:p>
+            <a:pPr algn="ctr"/>
+            <a:r>
+              <a:t>Evaluation only.</a:t>
+            </a:r>
+          </a:p>
+          <a:p>
+            <a:pPr algn="ctr"/>
+            <a:r>
+              <a:t>Created with Aspose.Slides for .NET 4.0 Client Profile 21.12.</a:t>
+            </a:r>
+          </a:p>
+          <a:p>
+            <a:pPr algn="ctr"/>
+            <a:r>
+              <a:t>Copyright 2004-2021Aspose Pty Ltd.</a:t>
+            </a:r>
+          </a:p>
+        </p:txBody>
+      </p:sp>
     </p:spTree>
   </p:cSld>
   <p:clrMapOvr>
@@ -3880,10 +4022,10 @@
 <file path=ppt/tags/tag1.xml><?xml version="1.0" encoding="utf-8"?>
 <p:tagLst xmlns:p="http://schemas.openxmlformats.org/presentationml/2006/main">
   <p:tag name="AS_NET" val="4.0.30319.42000"/>
-  <p:tag name="AS_OS" val="Microsoft Windows NT 6.2.9200.0"/>
-  <p:tag name="AS_RELEASE_DATE" val="2019.06.14"/>
+  <p:tag name="AS_OS" val="Microsoft Windows NT 6.3.9600.0"/>
+  <p:tag name="AS_RELEASE_DATE" val="2021.12.14"/>
   <p:tag name="AS_TITLE" val="Aspose.Slides for .NET 4.0 Client Profile"/>
-  <p:tag name="AS_VERSION" val="19.6"/>
+  <p:tag name="AS_VERSION" val="21.12"/>
 </p:tagLst>
 </file>
 
